--- a/Imagens/Background.pptx
+++ b/Imagens/Background.pptx
@@ -264,7 +264,7 @@
           <a:p>
             <a:fld id="{5B15A29D-12B0-4F5D-8AAB-797661EF75B4}" type="datetimeFigureOut">
               <a:rPr lang="pt-BR" smtClean="0"/>
-              <a:t>13/06/2022</a:t>
+              <a:t>15/06/2022</a:t>
             </a:fld>
             <a:endParaRPr lang="pt-BR"/>
           </a:p>
@@ -462,7 +462,7 @@
           <a:p>
             <a:fld id="{5B15A29D-12B0-4F5D-8AAB-797661EF75B4}" type="datetimeFigureOut">
               <a:rPr lang="pt-BR" smtClean="0"/>
-              <a:t>13/06/2022</a:t>
+              <a:t>15/06/2022</a:t>
             </a:fld>
             <a:endParaRPr lang="pt-BR"/>
           </a:p>
@@ -670,7 +670,7 @@
           <a:p>
             <a:fld id="{5B15A29D-12B0-4F5D-8AAB-797661EF75B4}" type="datetimeFigureOut">
               <a:rPr lang="pt-BR" smtClean="0"/>
-              <a:t>13/06/2022</a:t>
+              <a:t>15/06/2022</a:t>
             </a:fld>
             <a:endParaRPr lang="pt-BR"/>
           </a:p>
@@ -868,7 +868,7 @@
           <a:p>
             <a:fld id="{5B15A29D-12B0-4F5D-8AAB-797661EF75B4}" type="datetimeFigureOut">
               <a:rPr lang="pt-BR" smtClean="0"/>
-              <a:t>13/06/2022</a:t>
+              <a:t>15/06/2022</a:t>
             </a:fld>
             <a:endParaRPr lang="pt-BR"/>
           </a:p>
@@ -1143,7 +1143,7 @@
           <a:p>
             <a:fld id="{5B15A29D-12B0-4F5D-8AAB-797661EF75B4}" type="datetimeFigureOut">
               <a:rPr lang="pt-BR" smtClean="0"/>
-              <a:t>13/06/2022</a:t>
+              <a:t>15/06/2022</a:t>
             </a:fld>
             <a:endParaRPr lang="pt-BR"/>
           </a:p>
@@ -1408,7 +1408,7 @@
           <a:p>
             <a:fld id="{5B15A29D-12B0-4F5D-8AAB-797661EF75B4}" type="datetimeFigureOut">
               <a:rPr lang="pt-BR" smtClean="0"/>
-              <a:t>13/06/2022</a:t>
+              <a:t>15/06/2022</a:t>
             </a:fld>
             <a:endParaRPr lang="pt-BR"/>
           </a:p>
@@ -1820,7 +1820,7 @@
           <a:p>
             <a:fld id="{5B15A29D-12B0-4F5D-8AAB-797661EF75B4}" type="datetimeFigureOut">
               <a:rPr lang="pt-BR" smtClean="0"/>
-              <a:t>13/06/2022</a:t>
+              <a:t>15/06/2022</a:t>
             </a:fld>
             <a:endParaRPr lang="pt-BR"/>
           </a:p>
@@ -1961,7 +1961,7 @@
           <a:p>
             <a:fld id="{5B15A29D-12B0-4F5D-8AAB-797661EF75B4}" type="datetimeFigureOut">
               <a:rPr lang="pt-BR" smtClean="0"/>
-              <a:t>13/06/2022</a:t>
+              <a:t>15/06/2022</a:t>
             </a:fld>
             <a:endParaRPr lang="pt-BR"/>
           </a:p>
@@ -2074,7 +2074,7 @@
           <a:p>
             <a:fld id="{5B15A29D-12B0-4F5D-8AAB-797661EF75B4}" type="datetimeFigureOut">
               <a:rPr lang="pt-BR" smtClean="0"/>
-              <a:t>13/06/2022</a:t>
+              <a:t>15/06/2022</a:t>
             </a:fld>
             <a:endParaRPr lang="pt-BR"/>
           </a:p>
@@ -2385,7 +2385,7 @@
           <a:p>
             <a:fld id="{5B15A29D-12B0-4F5D-8AAB-797661EF75B4}" type="datetimeFigureOut">
               <a:rPr lang="pt-BR" smtClean="0"/>
-              <a:t>13/06/2022</a:t>
+              <a:t>15/06/2022</a:t>
             </a:fld>
             <a:endParaRPr lang="pt-BR"/>
           </a:p>
@@ -2673,7 +2673,7 @@
           <a:p>
             <a:fld id="{5B15A29D-12B0-4F5D-8AAB-797661EF75B4}" type="datetimeFigureOut">
               <a:rPr lang="pt-BR" smtClean="0"/>
-              <a:t>13/06/2022</a:t>
+              <a:t>15/06/2022</a:t>
             </a:fld>
             <a:endParaRPr lang="pt-BR"/>
           </a:p>
@@ -2914,7 +2914,7 @@
           <a:p>
             <a:fld id="{5B15A29D-12B0-4F5D-8AAB-797661EF75B4}" type="datetimeFigureOut">
               <a:rPr lang="pt-BR" smtClean="0"/>
-              <a:t>13/06/2022</a:t>
+              <a:t>15/06/2022</a:t>
             </a:fld>
             <a:endParaRPr lang="pt-BR"/>
           </a:p>
@@ -4373,15 +4373,15 @@
       </p:sp>
       <p:pic>
         <p:nvPicPr>
-          <p:cNvPr id="9" name="Imagem 8">
-            <a:extLst>
-              <a:ext uri="{FF2B5EF4-FFF2-40B4-BE49-F238E27FC236}">
-                <a16:creationId xmlns:a16="http://schemas.microsoft.com/office/drawing/2014/main" id="{72186662-93AB-D19D-E6DF-9739E6542689}"/>
+          <p:cNvPr id="12" name="Gráfico 11" descr="Balança da justiça">
+            <a:extLst>
+              <a:ext uri="{FF2B5EF4-FFF2-40B4-BE49-F238E27FC236}">
+                <a16:creationId xmlns:a16="http://schemas.microsoft.com/office/drawing/2014/main" id="{6968BB45-1B40-4222-81C7-5CCC9FFBB18A}"/>
               </a:ext>
             </a:extLst>
           </p:cNvPr>
           <p:cNvPicPr>
-            <a:picLocks/>
+            <a:picLocks noChangeAspect="1"/>
           </p:cNvPicPr>
           <p:nvPr/>
         </p:nvPicPr>
@@ -4390,6 +4390,9 @@
             <a:extLst>
               <a:ext uri="{28A0092B-C50C-407E-A947-70E740481C1C}">
                 <a14:useLocalDpi xmlns:a14="http://schemas.microsoft.com/office/drawing/2010/main" val="0"/>
+              </a:ext>
+              <a:ext uri="{96DAC541-7B7A-43D3-8B79-37D633B846F1}">
+                <asvg:svgBlip xmlns:asvg="http://schemas.microsoft.com/office/drawing/2016/SVG/main" r:embed="rId8"/>
               </a:ext>
             </a:extLst>
           </a:blip>
@@ -4399,45 +4402,6 @@
         </p:blipFill>
         <p:spPr>
           <a:xfrm>
-            <a:off x="11628781" y="47302"/>
-            <a:ext cx="432000" cy="504000"/>
-          </a:xfrm>
-          <a:prstGeom prst="rect">
-            <a:avLst/>
-          </a:prstGeom>
-        </p:spPr>
-      </p:pic>
-      <p:pic>
-        <p:nvPicPr>
-          <p:cNvPr id="12" name="Gráfico 11" descr="Balança da justiça">
-            <a:extLst>
-              <a:ext uri="{FF2B5EF4-FFF2-40B4-BE49-F238E27FC236}">
-                <a16:creationId xmlns:a16="http://schemas.microsoft.com/office/drawing/2014/main" id="{6968BB45-1B40-4222-81C7-5CCC9FFBB18A}"/>
-              </a:ext>
-            </a:extLst>
-          </p:cNvPr>
-          <p:cNvPicPr>
-            <a:picLocks noChangeAspect="1"/>
-          </p:cNvPicPr>
-          <p:nvPr/>
-        </p:nvPicPr>
-        <p:blipFill>
-          <a:blip r:embed="rId8">
-            <a:extLst>
-              <a:ext uri="{28A0092B-C50C-407E-A947-70E740481C1C}">
-                <a14:useLocalDpi xmlns:a14="http://schemas.microsoft.com/office/drawing/2010/main" val="0"/>
-              </a:ext>
-              <a:ext uri="{96DAC541-7B7A-43D3-8B79-37D633B846F1}">
-                <asvg:svgBlip xmlns:asvg="http://schemas.microsoft.com/office/drawing/2016/SVG/main" r:embed="rId9"/>
-              </a:ext>
-            </a:extLst>
-          </a:blip>
-          <a:stretch>
-            <a:fillRect/>
-          </a:stretch>
-        </p:blipFill>
-        <p:spPr>
-          <a:xfrm>
             <a:off x="6829836" y="1029665"/>
             <a:ext cx="324000" cy="324000"/>
           </a:xfrm>
@@ -4461,13 +4425,13 @@
           <p:nvPr/>
         </p:nvPicPr>
         <p:blipFill>
-          <a:blip r:embed="rId10">
+          <a:blip r:embed="rId9">
             <a:extLst>
               <a:ext uri="{28A0092B-C50C-407E-A947-70E740481C1C}">
                 <a14:useLocalDpi xmlns:a14="http://schemas.microsoft.com/office/drawing/2010/main" val="0"/>
               </a:ext>
               <a:ext uri="{96DAC541-7B7A-43D3-8B79-37D633B846F1}">
-                <asvg:svgBlip xmlns:asvg="http://schemas.microsoft.com/office/drawing/2016/SVG/main" r:embed="rId11"/>
+                <asvg:svgBlip xmlns:asvg="http://schemas.microsoft.com/office/drawing/2016/SVG/main" r:embed="rId10"/>
               </a:ext>
             </a:extLst>
           </a:blip>
@@ -6020,42 +5984,6 @@
           </a:prstGeom>
         </p:spPr>
       </p:pic>
-      <p:pic>
-        <p:nvPicPr>
-          <p:cNvPr id="33" name="Imagem 32">
-            <a:extLst>
-              <a:ext uri="{FF2B5EF4-FFF2-40B4-BE49-F238E27FC236}">
-                <a16:creationId xmlns:a16="http://schemas.microsoft.com/office/drawing/2014/main" id="{BD0FBE31-B07D-44AF-D79C-B3223B912AF8}"/>
-              </a:ext>
-            </a:extLst>
-          </p:cNvPr>
-          <p:cNvPicPr>
-            <a:picLocks/>
-          </p:cNvPicPr>
-          <p:nvPr/>
-        </p:nvPicPr>
-        <p:blipFill>
-          <a:blip r:embed="rId9">
-            <a:extLst>
-              <a:ext uri="{28A0092B-C50C-407E-A947-70E740481C1C}">
-                <a14:useLocalDpi xmlns:a14="http://schemas.microsoft.com/office/drawing/2010/main" val="0"/>
-              </a:ext>
-            </a:extLst>
-          </a:blip>
-          <a:stretch>
-            <a:fillRect/>
-          </a:stretch>
-        </p:blipFill>
-        <p:spPr>
-          <a:xfrm>
-            <a:off x="11628781" y="47302"/>
-            <a:ext cx="432000" cy="504000"/>
-          </a:xfrm>
-          <a:prstGeom prst="rect">
-            <a:avLst/>
-          </a:prstGeom>
-        </p:spPr>
-      </p:pic>
       <p:sp>
         <p:nvSpPr>
           <p:cNvPr id="32" name="CaixaDeTexto 31">
@@ -6729,42 +6657,6 @@
           </a:p>
         </p:txBody>
       </p:sp>
-      <p:pic>
-        <p:nvPicPr>
-          <p:cNvPr id="9" name="Imagem 8">
-            <a:extLst>
-              <a:ext uri="{FF2B5EF4-FFF2-40B4-BE49-F238E27FC236}">
-                <a16:creationId xmlns:a16="http://schemas.microsoft.com/office/drawing/2014/main" id="{EE109674-E94B-E7F3-EAA7-E1C90C65783E}"/>
-              </a:ext>
-            </a:extLst>
-          </p:cNvPr>
-          <p:cNvPicPr>
-            <a:picLocks/>
-          </p:cNvPicPr>
-          <p:nvPr/>
-        </p:nvPicPr>
-        <p:blipFill>
-          <a:blip r:embed="rId3">
-            <a:extLst>
-              <a:ext uri="{28A0092B-C50C-407E-A947-70E740481C1C}">
-                <a14:useLocalDpi xmlns:a14="http://schemas.microsoft.com/office/drawing/2010/main" val="0"/>
-              </a:ext>
-            </a:extLst>
-          </a:blip>
-          <a:stretch>
-            <a:fillRect/>
-          </a:stretch>
-        </p:blipFill>
-        <p:spPr>
-          <a:xfrm>
-            <a:off x="11628781" y="47302"/>
-            <a:ext cx="432000" cy="504000"/>
-          </a:xfrm>
-          <a:prstGeom prst="rect">
-            <a:avLst/>
-          </a:prstGeom>
-        </p:spPr>
-      </p:pic>
       <p:sp>
         <p:nvSpPr>
           <p:cNvPr id="10" name="CaixaDeTexto 9">
@@ -7466,42 +7358,6 @@
           </a:p>
         </p:txBody>
       </p:sp>
-      <p:pic>
-        <p:nvPicPr>
-          <p:cNvPr id="33" name="Imagem 32">
-            <a:extLst>
-              <a:ext uri="{FF2B5EF4-FFF2-40B4-BE49-F238E27FC236}">
-                <a16:creationId xmlns:a16="http://schemas.microsoft.com/office/drawing/2014/main" id="{8E13C69B-4128-20F2-29E4-B73DBCE1C42D}"/>
-              </a:ext>
-            </a:extLst>
-          </p:cNvPr>
-          <p:cNvPicPr>
-            <a:picLocks/>
-          </p:cNvPicPr>
-          <p:nvPr/>
-        </p:nvPicPr>
-        <p:blipFill>
-          <a:blip r:embed="rId3">
-            <a:extLst>
-              <a:ext uri="{28A0092B-C50C-407E-A947-70E740481C1C}">
-                <a14:useLocalDpi xmlns:a14="http://schemas.microsoft.com/office/drawing/2010/main" val="0"/>
-              </a:ext>
-            </a:extLst>
-          </a:blip>
-          <a:stretch>
-            <a:fillRect/>
-          </a:stretch>
-        </p:blipFill>
-        <p:spPr>
-          <a:xfrm>
-            <a:off x="11628781" y="47302"/>
-            <a:ext cx="432000" cy="504000"/>
-          </a:xfrm>
-          <a:prstGeom prst="rect">
-            <a:avLst/>
-          </a:prstGeom>
-        </p:spPr>
-      </p:pic>
       <p:sp>
         <p:nvSpPr>
           <p:cNvPr id="38" name="CaixaDeTexto 37">
@@ -7807,13 +7663,13 @@
           <p:nvPr/>
         </p:nvPicPr>
         <p:blipFill>
-          <a:blip r:embed="rId4">
+          <a:blip r:embed="rId3">
             <a:extLst>
               <a:ext uri="{28A0092B-C50C-407E-A947-70E740481C1C}">
                 <a14:useLocalDpi xmlns:a14="http://schemas.microsoft.com/office/drawing/2010/main" val="0"/>
               </a:ext>
               <a:ext uri="{96DAC541-7B7A-43D3-8B79-37D633B846F1}">
-                <asvg:svgBlip xmlns:asvg="http://schemas.microsoft.com/office/drawing/2016/SVG/main" r:embed="rId5"/>
+                <asvg:svgBlip xmlns:asvg="http://schemas.microsoft.com/office/drawing/2016/SVG/main" r:embed="rId4"/>
               </a:ext>
             </a:extLst>
           </a:blip>
@@ -7905,13 +7761,13 @@
           <p:nvPr/>
         </p:nvPicPr>
         <p:blipFill>
-          <a:blip r:embed="rId6">
+          <a:blip r:embed="rId5">
             <a:extLst>
               <a:ext uri="{28A0092B-C50C-407E-A947-70E740481C1C}">
                 <a14:useLocalDpi xmlns:a14="http://schemas.microsoft.com/office/drawing/2010/main" val="0"/>
               </a:ext>
               <a:ext uri="{96DAC541-7B7A-43D3-8B79-37D633B846F1}">
-                <asvg:svgBlip xmlns:asvg="http://schemas.microsoft.com/office/drawing/2016/SVG/main" r:embed="rId7"/>
+                <asvg:svgBlip xmlns:asvg="http://schemas.microsoft.com/office/drawing/2016/SVG/main" r:embed="rId6"/>
               </a:ext>
             </a:extLst>
           </a:blip>
@@ -7944,13 +7800,13 @@
           <p:nvPr/>
         </p:nvPicPr>
         <p:blipFill>
-          <a:blip r:embed="rId8">
+          <a:blip r:embed="rId7">
             <a:extLst>
               <a:ext uri="{28A0092B-C50C-407E-A947-70E740481C1C}">
                 <a14:useLocalDpi xmlns:a14="http://schemas.microsoft.com/office/drawing/2010/main" val="0"/>
               </a:ext>
               <a:ext uri="{96DAC541-7B7A-43D3-8B79-37D633B846F1}">
-                <asvg:svgBlip xmlns:asvg="http://schemas.microsoft.com/office/drawing/2016/SVG/main" r:embed="rId9"/>
+                <asvg:svgBlip xmlns:asvg="http://schemas.microsoft.com/office/drawing/2016/SVG/main" r:embed="rId8"/>
               </a:ext>
             </a:extLst>
           </a:blip>
@@ -8042,13 +7898,13 @@
           <p:nvPr/>
         </p:nvPicPr>
         <p:blipFill>
-          <a:blip r:embed="rId6">
+          <a:blip r:embed="rId5">
             <a:extLst>
               <a:ext uri="{28A0092B-C50C-407E-A947-70E740481C1C}">
                 <a14:useLocalDpi xmlns:a14="http://schemas.microsoft.com/office/drawing/2010/main" val="0"/>
               </a:ext>
               <a:ext uri="{96DAC541-7B7A-43D3-8B79-37D633B846F1}">
-                <asvg:svgBlip xmlns:asvg="http://schemas.microsoft.com/office/drawing/2016/SVG/main" r:embed="rId7"/>
+                <asvg:svgBlip xmlns:asvg="http://schemas.microsoft.com/office/drawing/2016/SVG/main" r:embed="rId6"/>
               </a:ext>
             </a:extLst>
           </a:blip>
@@ -8140,13 +7996,13 @@
           <p:nvPr/>
         </p:nvPicPr>
         <p:blipFill>
-          <a:blip r:embed="rId8">
+          <a:blip r:embed="rId7">
             <a:extLst>
               <a:ext uri="{28A0092B-C50C-407E-A947-70E740481C1C}">
                 <a14:useLocalDpi xmlns:a14="http://schemas.microsoft.com/office/drawing/2010/main" val="0"/>
               </a:ext>
               <a:ext uri="{96DAC541-7B7A-43D3-8B79-37D633B846F1}">
-                <asvg:svgBlip xmlns:asvg="http://schemas.microsoft.com/office/drawing/2016/SVG/main" r:embed="rId9"/>
+                <asvg:svgBlip xmlns:asvg="http://schemas.microsoft.com/office/drawing/2016/SVG/main" r:embed="rId8"/>
               </a:ext>
             </a:extLst>
           </a:blip>
@@ -9746,42 +9602,6 @@
           </a:prstGeom>
         </p:spPr>
       </p:pic>
-      <p:pic>
-        <p:nvPicPr>
-          <p:cNvPr id="32" name="Imagem 31">
-            <a:extLst>
-              <a:ext uri="{FF2B5EF4-FFF2-40B4-BE49-F238E27FC236}">
-                <a16:creationId xmlns:a16="http://schemas.microsoft.com/office/drawing/2014/main" id="{BEC99112-D1B2-E59C-53D4-6914C736A5E1}"/>
-              </a:ext>
-            </a:extLst>
-          </p:cNvPr>
-          <p:cNvPicPr>
-            <a:picLocks/>
-          </p:cNvPicPr>
-          <p:nvPr/>
-        </p:nvPicPr>
-        <p:blipFill>
-          <a:blip r:embed="rId9">
-            <a:extLst>
-              <a:ext uri="{28A0092B-C50C-407E-A947-70E740481C1C}">
-                <a14:useLocalDpi xmlns:a14="http://schemas.microsoft.com/office/drawing/2010/main" val="0"/>
-              </a:ext>
-            </a:extLst>
-          </a:blip>
-          <a:stretch>
-            <a:fillRect/>
-          </a:stretch>
-        </p:blipFill>
-        <p:spPr>
-          <a:xfrm>
-            <a:off x="11628781" y="47302"/>
-            <a:ext cx="432000" cy="504000"/>
-          </a:xfrm>
-          <a:prstGeom prst="rect">
-            <a:avLst/>
-          </a:prstGeom>
-        </p:spPr>
-      </p:pic>
       <p:sp>
         <p:nvSpPr>
           <p:cNvPr id="30" name="CaixaDeTexto 29">
@@ -10227,13 +10047,13 @@
           <p:nvPr/>
         </p:nvPicPr>
         <p:blipFill>
-          <a:blip r:embed="rId10">
+          <a:blip r:embed="rId9">
             <a:extLst>
               <a:ext uri="{28A0092B-C50C-407E-A947-70E740481C1C}">
                 <a14:useLocalDpi xmlns:a14="http://schemas.microsoft.com/office/drawing/2010/main" val="0"/>
               </a:ext>
               <a:ext uri="{96DAC541-7B7A-43D3-8B79-37D633B846F1}">
-                <asvg:svgBlip xmlns:asvg="http://schemas.microsoft.com/office/drawing/2016/SVG/main" r:embed="rId11"/>
+                <asvg:svgBlip xmlns:asvg="http://schemas.microsoft.com/office/drawing/2016/SVG/main" r:embed="rId10"/>
               </a:ext>
             </a:extLst>
           </a:blip>
